--- a/java features.pptx
+++ b/java features.pptx
@@ -203,7 +203,7 @@
           <a:p>
             <a:fld id="{20D84668-6769-4D63-A6FC-E13EFE781D4F}" type="datetimeFigureOut">
               <a:rPr lang="en-US" smtClean="0"/>
-              <a:t>2/21/2021</a:t>
+              <a:t>4/6/2021</a:t>
             </a:fld>
             <a:endParaRPr lang="en-US"/>
           </a:p>
@@ -1692,7 +1692,7 @@
           <a:p>
             <a:fld id="{4F325F33-1F9F-4F40-8427-7E6F6192A6B1}" type="datetimeFigureOut">
               <a:rPr lang="en-US" smtClean="0"/>
-              <a:t>2/21/2021</a:t>
+              <a:t>4/6/2021</a:t>
             </a:fld>
             <a:endParaRPr lang="en-US"/>
           </a:p>
@@ -1862,7 +1862,7 @@
           <a:p>
             <a:fld id="{4F325F33-1F9F-4F40-8427-7E6F6192A6B1}" type="datetimeFigureOut">
               <a:rPr lang="en-US" smtClean="0"/>
-              <a:t>2/21/2021</a:t>
+              <a:t>4/6/2021</a:t>
             </a:fld>
             <a:endParaRPr lang="en-US"/>
           </a:p>
@@ -2042,7 +2042,7 @@
           <a:p>
             <a:fld id="{4F325F33-1F9F-4F40-8427-7E6F6192A6B1}" type="datetimeFigureOut">
               <a:rPr lang="en-US" smtClean="0"/>
-              <a:t>2/21/2021</a:t>
+              <a:t>4/6/2021</a:t>
             </a:fld>
             <a:endParaRPr lang="en-US"/>
           </a:p>
@@ -2212,7 +2212,7 @@
           <a:p>
             <a:fld id="{4F325F33-1F9F-4F40-8427-7E6F6192A6B1}" type="datetimeFigureOut">
               <a:rPr lang="en-US" smtClean="0"/>
-              <a:t>2/21/2021</a:t>
+              <a:t>4/6/2021</a:t>
             </a:fld>
             <a:endParaRPr lang="en-US"/>
           </a:p>
@@ -2458,7 +2458,7 @@
           <a:p>
             <a:fld id="{4F325F33-1F9F-4F40-8427-7E6F6192A6B1}" type="datetimeFigureOut">
               <a:rPr lang="en-US" smtClean="0"/>
-              <a:t>2/21/2021</a:t>
+              <a:t>4/6/2021</a:t>
             </a:fld>
             <a:endParaRPr lang="en-US"/>
           </a:p>
@@ -2690,7 +2690,7 @@
           <a:p>
             <a:fld id="{4F325F33-1F9F-4F40-8427-7E6F6192A6B1}" type="datetimeFigureOut">
               <a:rPr lang="en-US" smtClean="0"/>
-              <a:t>2/21/2021</a:t>
+              <a:t>4/6/2021</a:t>
             </a:fld>
             <a:endParaRPr lang="en-US"/>
           </a:p>
@@ -3057,7 +3057,7 @@
           <a:p>
             <a:fld id="{4F325F33-1F9F-4F40-8427-7E6F6192A6B1}" type="datetimeFigureOut">
               <a:rPr lang="en-US" smtClean="0"/>
-              <a:t>2/21/2021</a:t>
+              <a:t>4/6/2021</a:t>
             </a:fld>
             <a:endParaRPr lang="en-US"/>
           </a:p>
@@ -3175,7 +3175,7 @@
           <a:p>
             <a:fld id="{4F325F33-1F9F-4F40-8427-7E6F6192A6B1}" type="datetimeFigureOut">
               <a:rPr lang="en-US" smtClean="0"/>
-              <a:t>2/21/2021</a:t>
+              <a:t>4/6/2021</a:t>
             </a:fld>
             <a:endParaRPr lang="en-US"/>
           </a:p>
@@ -3270,7 +3270,7 @@
           <a:p>
             <a:fld id="{4F325F33-1F9F-4F40-8427-7E6F6192A6B1}" type="datetimeFigureOut">
               <a:rPr lang="en-US" smtClean="0"/>
-              <a:t>2/21/2021</a:t>
+              <a:t>4/6/2021</a:t>
             </a:fld>
             <a:endParaRPr lang="en-US"/>
           </a:p>
@@ -3547,7 +3547,7 @@
           <a:p>
             <a:fld id="{4F325F33-1F9F-4F40-8427-7E6F6192A6B1}" type="datetimeFigureOut">
               <a:rPr lang="en-US" smtClean="0"/>
-              <a:t>2/21/2021</a:t>
+              <a:t>4/6/2021</a:t>
             </a:fld>
             <a:endParaRPr lang="en-US"/>
           </a:p>
@@ -3800,7 +3800,7 @@
           <a:p>
             <a:fld id="{4F325F33-1F9F-4F40-8427-7E6F6192A6B1}" type="datetimeFigureOut">
               <a:rPr lang="en-US" smtClean="0"/>
-              <a:t>2/21/2021</a:t>
+              <a:t>4/6/2021</a:t>
             </a:fld>
             <a:endParaRPr lang="en-US"/>
           </a:p>
@@ -4013,7 +4013,7 @@
           <a:p>
             <a:fld id="{4F325F33-1F9F-4F40-8427-7E6F6192A6B1}" type="datetimeFigureOut">
               <a:rPr lang="en-US" smtClean="0"/>
-              <a:t>2/21/2021</a:t>
+              <a:t>4/6/2021</a:t>
             </a:fld>
             <a:endParaRPr lang="en-US"/>
           </a:p>
@@ -6379,6 +6379,35 @@
               <a:latin typeface="Calibri" panose="020F0502020204030204" pitchFamily="34" charset="0"/>
               <a:cs typeface="Calibri" panose="020F0502020204030204" pitchFamily="34" charset="0"/>
             </a:endParaRPr>
+          </a:p>
+        </p:txBody>
+      </p:sp>
+      <p:sp>
+        <p:nvSpPr>
+          <p:cNvPr id="17" name="Rectangle 16"/>
+          <p:cNvSpPr/>
+          <p:nvPr/>
+        </p:nvSpPr>
+        <p:spPr>
+          <a:xfrm>
+            <a:off x="3792013" y="3245853"/>
+            <a:ext cx="2872325" cy="369332"/>
+          </a:xfrm>
+          <a:prstGeom prst="rect">
+            <a:avLst/>
+          </a:prstGeom>
+        </p:spPr>
+        <p:txBody>
+          <a:bodyPr wrap="none">
+            <a:spAutoFit/>
+          </a:bodyPr>
+          <a:lstStyle/>
+          <a:p>
+            <a:r>
+              <a:rPr lang="en-US" dirty="0" smtClean="0"/>
+              <a:t>Read README.md  ;) as well </a:t>
+            </a:r>
+            <a:endParaRPr lang="en-US" dirty="0"/>
           </a:p>
         </p:txBody>
       </p:sp>
